--- a/Presentations/CS - Network Communication.pptx
+++ b/Presentations/CS - Network Communication.pptx
@@ -211,7 +211,7 @@
           <a:p>
             <a:fld id="{FAF957FC-5175-49AC-8D2B-2F056FFFC1DD}" type="datetimeFigureOut">
               <a:rPr lang="en-US" smtClean="0"/>
-              <a:t>2/3/2018</a:t>
+              <a:t>2/5/2018</a:t>
             </a:fld>
             <a:endParaRPr lang="en-US"/>
           </a:p>
@@ -1249,7 +1249,7 @@
             <a:fld id="{1D8BD707-D9CF-40AE-B4C6-C98DA3205C09}" type="datetimeFigureOut">
               <a:rPr lang="en-US" smtClean="0"/>
               <a:pPr/>
-              <a:t>2/3/2018</a:t>
+              <a:t>2/5/2018</a:t>
             </a:fld>
             <a:endParaRPr lang="en-US"/>
           </a:p>
@@ -1416,7 +1416,7 @@
             <a:fld id="{1D8BD707-D9CF-40AE-B4C6-C98DA3205C09}" type="datetimeFigureOut">
               <a:rPr lang="en-US" smtClean="0"/>
               <a:pPr/>
-              <a:t>2/3/2018</a:t>
+              <a:t>2/5/2018</a:t>
             </a:fld>
             <a:endParaRPr lang="en-US"/>
           </a:p>
@@ -1593,7 +1593,7 @@
             <a:fld id="{1D8BD707-D9CF-40AE-B4C6-C98DA3205C09}" type="datetimeFigureOut">
               <a:rPr lang="en-US" smtClean="0"/>
               <a:pPr/>
-              <a:t>2/3/2018</a:t>
+              <a:t>2/5/2018</a:t>
             </a:fld>
             <a:endParaRPr lang="en-US"/>
           </a:p>
@@ -1760,7 +1760,7 @@
             <a:fld id="{1D8BD707-D9CF-40AE-B4C6-C98DA3205C09}" type="datetimeFigureOut">
               <a:rPr lang="en-US" smtClean="0"/>
               <a:pPr/>
-              <a:t>2/3/2018</a:t>
+              <a:t>2/5/2018</a:t>
             </a:fld>
             <a:endParaRPr lang="en-US"/>
           </a:p>
@@ -2003,7 +2003,7 @@
             <a:fld id="{1D8BD707-D9CF-40AE-B4C6-C98DA3205C09}" type="datetimeFigureOut">
               <a:rPr lang="en-US" smtClean="0"/>
               <a:pPr/>
-              <a:t>2/3/2018</a:t>
+              <a:t>2/5/2018</a:t>
             </a:fld>
             <a:endParaRPr lang="en-US"/>
           </a:p>
@@ -2288,7 +2288,7 @@
             <a:fld id="{1D8BD707-D9CF-40AE-B4C6-C98DA3205C09}" type="datetimeFigureOut">
               <a:rPr lang="en-US" smtClean="0"/>
               <a:pPr/>
-              <a:t>2/3/2018</a:t>
+              <a:t>2/5/2018</a:t>
             </a:fld>
             <a:endParaRPr lang="en-US"/>
           </a:p>
@@ -2707,7 +2707,7 @@
             <a:fld id="{1D8BD707-D9CF-40AE-B4C6-C98DA3205C09}" type="datetimeFigureOut">
               <a:rPr lang="en-US" smtClean="0"/>
               <a:pPr/>
-              <a:t>2/3/2018</a:t>
+              <a:t>2/5/2018</a:t>
             </a:fld>
             <a:endParaRPr lang="en-US"/>
           </a:p>
@@ -2822,7 +2822,7 @@
             <a:fld id="{1D8BD707-D9CF-40AE-B4C6-C98DA3205C09}" type="datetimeFigureOut">
               <a:rPr lang="en-US" smtClean="0"/>
               <a:pPr/>
-              <a:t>2/3/2018</a:t>
+              <a:t>2/5/2018</a:t>
             </a:fld>
             <a:endParaRPr lang="en-US"/>
           </a:p>
@@ -2914,7 +2914,7 @@
             <a:fld id="{1D8BD707-D9CF-40AE-B4C6-C98DA3205C09}" type="datetimeFigureOut">
               <a:rPr lang="en-US" smtClean="0"/>
               <a:pPr/>
-              <a:t>2/3/2018</a:t>
+              <a:t>2/5/2018</a:t>
             </a:fld>
             <a:endParaRPr lang="en-US"/>
           </a:p>
@@ -3188,7 +3188,7 @@
             <a:fld id="{1D8BD707-D9CF-40AE-B4C6-C98DA3205C09}" type="datetimeFigureOut">
               <a:rPr lang="en-US" smtClean="0"/>
               <a:pPr/>
-              <a:t>2/3/2018</a:t>
+              <a:t>2/5/2018</a:t>
             </a:fld>
             <a:endParaRPr lang="en-US"/>
           </a:p>
@@ -3438,7 +3438,7 @@
             <a:fld id="{1D8BD707-D9CF-40AE-B4C6-C98DA3205C09}" type="datetimeFigureOut">
               <a:rPr lang="en-US" smtClean="0"/>
               <a:pPr/>
-              <a:t>2/3/2018</a:t>
+              <a:t>2/5/2018</a:t>
             </a:fld>
             <a:endParaRPr lang="en-US"/>
           </a:p>
@@ -3648,7 +3648,7 @@
             <a:fld id="{1D8BD707-D9CF-40AE-B4C6-C98DA3205C09}" type="datetimeFigureOut">
               <a:rPr lang="en-US" smtClean="0"/>
               <a:pPr/>
-              <a:t>2/3/2018</a:t>
+              <a:t>2/5/2018</a:t>
             </a:fld>
             <a:endParaRPr lang="en-US"/>
           </a:p>
@@ -11866,11 +11866,7 @@
           <a:p>
             <a:r>
               <a:rPr lang="en-US" sz="1400" b="1" dirty="0" smtClean="0"/>
-              <a:t>     </a:t>
-            </a:r>
-            <a:r>
-              <a:rPr lang="en-US" sz="1400" b="1" dirty="0" smtClean="0"/>
-              <a:t>Server</a:t>
+              <a:t>     Server</a:t>
             </a:r>
             <a:endParaRPr lang="en-US" sz="1400" b="1" dirty="0"/>
           </a:p>
@@ -12547,17 +12543,7 @@
                   </a:schemeClr>
                 </a:solidFill>
               </a:rPr>
-              <a:t>Echo </a:t>
-            </a:r>
-            <a:r>
-              <a:rPr lang="en-US" dirty="0" smtClean="0">
-                <a:solidFill>
-                  <a:schemeClr val="accent1">
-                    <a:lumMod val="75000"/>
-                  </a:schemeClr>
-                </a:solidFill>
-              </a:rPr>
-              <a:t>Server – Client Side</a:t>
+              <a:t>Echo Server – Client Side</a:t>
             </a:r>
             <a:endParaRPr lang="en-US" dirty="0">
               <a:solidFill>
@@ -12893,15 +12879,7 @@
                   <a:srgbClr val="00B050"/>
                 </a:solidFill>
               </a:rPr>
-              <a:t>	# Encode the message into byte stream for </a:t>
-            </a:r>
-            <a:r>
-              <a:rPr lang="en-US" sz="1600" b="1" dirty="0" smtClean="0">
-                <a:solidFill>
-                  <a:srgbClr val="00B050"/>
-                </a:solidFill>
-              </a:rPr>
-              <a:t>transmission</a:t>
+              <a:t>	# Encode the message into byte stream for transmission</a:t>
             </a:r>
           </a:p>
           <a:p>
@@ -13041,11 +13019,6 @@
               </a:rPr>
               <a:t># Send the length of the message to the server.</a:t>
             </a:r>
-            <a:endParaRPr lang="en-US" sz="1600" b="1" dirty="0" smtClean="0">
-              <a:solidFill>
-                <a:srgbClr val="00B050"/>
-              </a:solidFill>
-            </a:endParaRPr>
           </a:p>
           <a:p>
             <a:r>
@@ -13176,15 +13149,7 @@
                   <a:srgbClr val="00B050"/>
                 </a:solidFill>
               </a:rPr>
-              <a:t>	# Receive response data from server</a:t>
-            </a:r>
-            <a:r>
-              <a:rPr lang="en-US" sz="1600" b="1" dirty="0" smtClean="0">
-                <a:solidFill>
-                  <a:srgbClr val="00B050"/>
-                </a:solidFill>
-              </a:rPr>
-              <a:t>.</a:t>
+              <a:t>	# Receive response data from server.</a:t>
             </a:r>
           </a:p>
           <a:p>
@@ -13218,14 +13183,6 @@
                 </a:solidFill>
               </a:rPr>
               <a:t># expect the response to equal the message sent.</a:t>
-            </a:r>
-            <a:r>
-              <a:rPr lang="en-US" sz="1600" b="1" dirty="0" smtClean="0">
-                <a:solidFill>
-                  <a:srgbClr val="00B050"/>
-                </a:solidFill>
-              </a:rPr>
-              <a:t/>
             </a:r>
             <a:br>
               <a:rPr lang="en-US" sz="1600" b="1" dirty="0" smtClean="0">
@@ -14508,17 +14465,7 @@
                   </a:schemeClr>
                 </a:solidFill>
               </a:rPr>
-              <a:t>Echo </a:t>
-            </a:r>
-            <a:r>
-              <a:rPr lang="en-US" dirty="0" smtClean="0">
-                <a:solidFill>
-                  <a:schemeClr val="accent1">
-                    <a:lumMod val="75000"/>
-                  </a:schemeClr>
-                </a:solidFill>
-              </a:rPr>
-              <a:t>Server – Server Side</a:t>
+              <a:t>Echo Server – Server Side</a:t>
             </a:r>
             <a:endParaRPr lang="en-US" dirty="0">
               <a:solidFill>
@@ -14593,11 +14540,7 @@
             </a:r>
             <a:r>
               <a:rPr lang="en-US" sz="1600" b="1" dirty="0" smtClean="0"/>
-              <a:t>( </a:t>
-            </a:r>
-            <a:r>
-              <a:rPr lang="en-US" sz="1600" b="1" dirty="0" smtClean="0"/>
-              <a:t>) {</a:t>
+              <a:t>( ) {</a:t>
             </a:r>
           </a:p>
           <a:p>
@@ -17818,7 +17761,17 @@
                   </a:schemeClr>
                 </a:solidFill>
               </a:rPr>
-              <a:t>Choice when not a problem if some data does not</a:t>
+              <a:t>Choose </a:t>
+            </a:r>
+            <a:r>
+              <a:rPr lang="en-US" sz="2800" b="1" dirty="0" smtClean="0">
+                <a:solidFill>
+                  <a:schemeClr val="accent5">
+                    <a:lumMod val="75000"/>
+                  </a:schemeClr>
+                </a:solidFill>
+              </a:rPr>
+              <a:t>when not a problem if some data does not</a:t>
             </a:r>
           </a:p>
           <a:p>
@@ -17898,7 +17851,17 @@
                   </a:schemeClr>
                 </a:solidFill>
               </a:rPr>
-              <a:t>    received.</a:t>
+              <a:t>    received</a:t>
+            </a:r>
+            <a:r>
+              <a:rPr lang="en-US" sz="2800" b="1" dirty="0" smtClean="0">
+                <a:solidFill>
+                  <a:schemeClr val="accent5">
+                    <a:lumMod val="75000"/>
+                  </a:schemeClr>
+                </a:solidFill>
+              </a:rPr>
+              <a:t>.</a:t>
             </a:r>
           </a:p>
           <a:p>
@@ -17946,30 +17909,50 @@
                   </a:schemeClr>
                 </a:solidFill>
               </a:rPr>
-              <a:t>Sender waits for all acknowledgements to arrive over the</a:t>
-            </a:r>
-          </a:p>
-          <a:p>
-            <a:pPr lvl="1"/>
-            <a:r>
-              <a:rPr lang="en-US" sz="2400" b="1" dirty="0">
+              <a:t>Sender </a:t>
+            </a:r>
+            <a:r>
+              <a:rPr lang="en-US" sz="2400" b="1" dirty="0" smtClean="0">
                 <a:solidFill>
                   <a:schemeClr val="accent5">
                     <a:lumMod val="75000"/>
                   </a:schemeClr>
                 </a:solidFill>
               </a:rPr>
-              <a:t> </a:t>
-            </a:r>
-            <a:r>
-              <a:rPr lang="en-US" sz="2400" b="1" dirty="0" smtClean="0">
+              <a:t>waits for all acknowledgements to arrive over the</a:t>
+            </a:r>
+          </a:p>
+          <a:p>
+            <a:pPr lvl="1"/>
+            <a:r>
+              <a:rPr lang="en-US" sz="2400" b="1" dirty="0">
                 <a:solidFill>
                   <a:schemeClr val="accent5">
                     <a:lumMod val="75000"/>
                   </a:schemeClr>
                 </a:solidFill>
               </a:rPr>
-              <a:t>    network.</a:t>
+              <a:t> </a:t>
+            </a:r>
+            <a:r>
+              <a:rPr lang="en-US" sz="2400" b="1" dirty="0" smtClean="0">
+                <a:solidFill>
+                  <a:schemeClr val="accent5">
+                    <a:lumMod val="75000"/>
+                  </a:schemeClr>
+                </a:solidFill>
+              </a:rPr>
+              <a:t>    network</a:t>
+            </a:r>
+            <a:r>
+              <a:rPr lang="en-US" sz="2400" b="1" dirty="0" smtClean="0">
+                <a:solidFill>
+                  <a:schemeClr val="accent5">
+                    <a:lumMod val="75000"/>
+                  </a:schemeClr>
+                </a:solidFill>
+              </a:rPr>
+              <a:t>.</a:t>
             </a:r>
             <a:endParaRPr lang="en-US" sz="2400" b="1" dirty="0">
               <a:solidFill>
